--- a/Slides/sugestaoslideline.pptx
+++ b/Slides/sugestaoslideline.pptx
@@ -759,7 +759,7 @@
         </p:blipFill>
         <p:spPr>
           <a:xfrm>
-            <a:off x="7675815" y="5378959"/>
+            <a:off x="7675815" y="6236051"/>
             <a:ext cx="1800000" cy="590259"/>
           </a:xfrm>
           <a:prstGeom prst="rect">
@@ -795,7 +795,7 @@
         </p:blipFill>
         <p:spPr>
           <a:xfrm>
-            <a:off x="2752683" y="5229206"/>
+            <a:off x="2752683" y="5963610"/>
             <a:ext cx="634630" cy="862700"/>
           </a:xfrm>
           <a:prstGeom prst="rect">
@@ -831,7 +831,7 @@
         </p:blipFill>
         <p:spPr>
           <a:xfrm>
-            <a:off x="192010" y="5352955"/>
+            <a:off x="192010" y="6125966"/>
             <a:ext cx="1416881" cy="700344"/>
           </a:xfrm>
           <a:prstGeom prst="rect">
@@ -867,7 +867,7 @@
         </p:blipFill>
         <p:spPr>
           <a:xfrm>
-            <a:off x="10108220" y="5402608"/>
+            <a:off x="10108220" y="6283348"/>
             <a:ext cx="1800000" cy="542962"/>
           </a:xfrm>
           <a:prstGeom prst="rect">
@@ -1070,7 +1070,7 @@
         </p:blipFill>
         <p:spPr>
           <a:xfrm>
-            <a:off x="4978417" y="4502608"/>
+            <a:off x="4978417" y="5026310"/>
             <a:ext cx="1572392" cy="1800000"/>
           </a:xfrm>
           <a:prstGeom prst="rect">
@@ -5337,7 +5337,7 @@
 </file>
 
 <file path=ppt/slideLayouts/slideLayout3.xml><?xml version="1.0" encoding="utf-8"?>
-<p:sldLayout xmlns:a="http://schemas.openxmlformats.org/drawingml/2006/main" xmlns:r="http://schemas.openxmlformats.org/officeDocument/2006/relationships" xmlns:p="http://schemas.openxmlformats.org/presentationml/2006/main" preserve="1" userDrawn="1">
+<p:sldLayout xmlns:a="http://schemas.openxmlformats.org/drawingml/2006/main" xmlns:r="http://schemas.openxmlformats.org/officeDocument/2006/relationships" xmlns:p="http://schemas.openxmlformats.org/presentationml/2006/main" showMasterSp="0" preserve="1" userDrawn="1">
   <p:cSld name="Section Header">
     <p:spTree>
       <p:nvGrpSpPr>
@@ -10428,10 +10428,10 @@
       </p:grpSpPr>
       <p:sp>
         <p:nvSpPr>
-          <p:cNvPr id="2" name="Title 1">
+          <p:cNvPr id="3" name="Subtitle 2">
             <a:extLst>
               <a:ext uri="{FF2B5EF4-FFF2-40B4-BE49-F238E27FC236}">
-                <a16:creationId xmlns:a16="http://schemas.microsoft.com/office/drawing/2014/main" id="{576A05C4-9F97-4585-AC73-4C749CFE0BFE}"/>
+                <a16:creationId xmlns:a16="http://schemas.microsoft.com/office/drawing/2014/main" id="{C52B48E8-47BE-4E00-A7EE-700E8E4010C6}"/>
               </a:ext>
             </a:extLst>
           </p:cNvPr>
@@ -10439,46 +10439,13 @@
             <a:spLocks noGrp="1"/>
           </p:cNvSpPr>
           <p:nvPr>
-            <p:ph type="ctrTitle"/>
+            <p:ph type="subTitle" idx="1"/>
           </p:nvPr>
         </p:nvSpPr>
         <p:spPr>
           <a:xfrm>
-            <a:off x="3780593" y="1954635"/>
-            <a:ext cx="8254849" cy="2309742"/>
-          </a:xfrm>
-        </p:spPr>
-        <p:txBody>
-          <a:bodyPr anchor="ctr"/>
-          <a:lstStyle/>
-          <a:p>
-            <a:r>
-              <a:rPr lang="pt-BR" dirty="0"/>
-              <a:t>Título</a:t>
-            </a:r>
-          </a:p>
-        </p:txBody>
-      </p:sp>
-      <p:sp>
-        <p:nvSpPr>
-          <p:cNvPr id="3" name="Subtitle 2">
-            <a:extLst>
-              <a:ext uri="{FF2B5EF4-FFF2-40B4-BE49-F238E27FC236}">
-                <a16:creationId xmlns:a16="http://schemas.microsoft.com/office/drawing/2014/main" id="{C52B48E8-47BE-4E00-A7EE-700E8E4010C6}"/>
-              </a:ext>
-            </a:extLst>
-          </p:cNvPr>
-          <p:cNvSpPr>
-            <a:spLocks noGrp="1"/>
-          </p:cNvSpPr>
-          <p:nvPr>
-            <p:ph type="subTitle" idx="1"/>
-          </p:nvPr>
-        </p:nvSpPr>
-        <p:spPr>
-          <a:xfrm>
-            <a:off x="3780593" y="4414057"/>
-            <a:ext cx="8289485" cy="1487979"/>
+            <a:off x="1457325" y="4344988"/>
+            <a:ext cx="9144000" cy="1655762"/>
           </a:xfrm>
         </p:spPr>
         <p:txBody>
@@ -10496,6 +10463,39 @@
             <a:r>
               <a:rPr lang="pt-BR" dirty="0"/>
               <a:t>Nome do orientador/professor ou curso</a:t>
+            </a:r>
+          </a:p>
+        </p:txBody>
+      </p:sp>
+      <p:sp>
+        <p:nvSpPr>
+          <p:cNvPr id="2" name="Title 1">
+            <a:extLst>
+              <a:ext uri="{FF2B5EF4-FFF2-40B4-BE49-F238E27FC236}">
+                <a16:creationId xmlns:a16="http://schemas.microsoft.com/office/drawing/2014/main" id="{576A05C4-9F97-4585-AC73-4C749CFE0BFE}"/>
+              </a:ext>
+            </a:extLst>
+          </p:cNvPr>
+          <p:cNvSpPr>
+            <a:spLocks noGrp="1"/>
+          </p:cNvSpPr>
+          <p:nvPr>
+            <p:ph type="title"/>
+          </p:nvPr>
+        </p:nvSpPr>
+        <p:spPr>
+          <a:xfrm>
+            <a:off x="791448" y="2030862"/>
+            <a:ext cx="10975455" cy="2133041"/>
+          </a:xfrm>
+        </p:spPr>
+        <p:txBody>
+          <a:bodyPr anchor="ctr"/>
+          <a:lstStyle/>
+          <a:p>
+            <a:r>
+              <a:rPr lang="pt-BR" dirty="0"/>
+              <a:t>Título</a:t>
             </a:r>
           </a:p>
         </p:txBody>
@@ -11173,10 +11173,9 @@
               <a:t>4</a:t>
             </a:fld>
             <a:r>
-              <a:rPr lang="pt-BR"/>
-              <a:t>/total</a:t>
-            </a:r>
-            <a:endParaRPr lang="pt-BR" dirty="0"/>
+              <a:rPr lang="pt-BR" dirty="0"/>
+              <a:t>/</a:t>
+            </a:r>
           </a:p>
         </p:txBody>
       </p:sp>

--- a/Slides/sugestaoslideline.pptx
+++ b/Slides/sugestaoslideline.pptx
@@ -241,7 +241,7 @@
           <a:p>
             <a:fld id="{9788BEF5-D634-4783-BB1D-B313F140711D}" type="datetimeFigureOut">
               <a:rPr lang="pt-BR" smtClean="0"/>
-              <a:t>17/06/2021</a:t>
+              <a:t>16/07/2021</a:t>
             </a:fld>
             <a:endParaRPr lang="pt-BR"/>
           </a:p>
@@ -9590,9 +9590,7 @@
             <a:srgbClr val="6F7C91"/>
           </a:solidFill>
           <a:ln>
-            <a:solidFill>
-              <a:srgbClr val="38415C"/>
-            </a:solidFill>
+            <a:noFill/>
           </a:ln>
         </p:spPr>
         <p:style>
@@ -9969,9 +9967,7 @@
           </a:prstGeom>
           <a:noFill/>
           <a:ln>
-            <a:solidFill>
-              <a:srgbClr val="38415C"/>
-            </a:solidFill>
+            <a:noFill/>
           </a:ln>
         </p:spPr>
         <p:style>
@@ -11148,10 +11144,10 @@
       </p:sp>
       <p:sp>
         <p:nvSpPr>
-          <p:cNvPr id="6" name="Slide Number Placeholder 5">
+          <p:cNvPr id="2" name="Slide Number Placeholder 1">
             <a:extLst>
               <a:ext uri="{FF2B5EF4-FFF2-40B4-BE49-F238E27FC236}">
-                <a16:creationId xmlns:a16="http://schemas.microsoft.com/office/drawing/2014/main" id="{B6380016-2A1D-45D1-9119-E9D43A3AA829}"/>
+                <a16:creationId xmlns:a16="http://schemas.microsoft.com/office/drawing/2014/main" id="{3BC9F22C-510B-4A8D-AA7E-A407FB29E0FE}"/>
               </a:ext>
             </a:extLst>
           </p:cNvPr>
@@ -11172,10 +11168,7 @@
               <a:pPr/>
               <a:t>4</a:t>
             </a:fld>
-            <a:r>
-              <a:rPr lang="pt-BR" dirty="0"/>
-              <a:t>/</a:t>
-            </a:r>
+            <a:endParaRPr lang="pt-BR" sz="3200" dirty="0"/>
           </a:p>
         </p:txBody>
       </p:sp>
@@ -11791,10 +11784,10 @@
       </p:sp>
       <p:sp>
         <p:nvSpPr>
-          <p:cNvPr id="5" name="Slide Number Placeholder 4">
+          <p:cNvPr id="7" name="Slide Number Placeholder 6">
             <a:extLst>
               <a:ext uri="{FF2B5EF4-FFF2-40B4-BE49-F238E27FC236}">
-                <a16:creationId xmlns:a16="http://schemas.microsoft.com/office/drawing/2014/main" id="{B9CD2917-F205-4C16-B32C-83826DA4CA4F}"/>
+                <a16:creationId xmlns:a16="http://schemas.microsoft.com/office/drawing/2014/main" id="{637F8787-8413-4697-8CB9-6528F76964F0}"/>
               </a:ext>
             </a:extLst>
           </p:cNvPr>
@@ -11805,12 +11798,7 @@
             <p:ph type="sldNum" sz="quarter" idx="12"/>
           </p:nvPr>
         </p:nvSpPr>
-        <p:spPr>
-          <a:xfrm>
-            <a:off x="9326879" y="6356350"/>
-            <a:ext cx="2743200" cy="365125"/>
-          </a:xfrm>
-        </p:spPr>
+        <p:spPr/>
         <p:txBody>
           <a:bodyPr/>
           <a:lstStyle/>
@@ -11820,7 +11808,7 @@
               <a:pPr/>
               <a:t>8</a:t>
             </a:fld>
-            <a:endParaRPr lang="pt-BR" dirty="0"/>
+            <a:endParaRPr lang="pt-BR" sz="3200" dirty="0"/>
           </a:p>
         </p:txBody>
       </p:sp>
